--- a/Ch_01_Generalites/Cours/images/Figures.pptx
+++ b/Ch_01_Generalites/Cours/images/Figures.pptx
@@ -13,8 +13,9 @@
     <p:sldId id="262" r:id="rId7"/>
     <p:sldId id="260" r:id="rId8"/>
     <p:sldId id="261" r:id="rId9"/>
-    <p:sldId id="264" r:id="rId10"/>
-    <p:sldId id="263" r:id="rId11"/>
+    <p:sldId id="266" r:id="rId10"/>
+    <p:sldId id="264" r:id="rId11"/>
+    <p:sldId id="263" r:id="rId12"/>
   </p:sldIdLst>
   <p:sldSz cx="9144000" cy="6858000" type="screen4x3"/>
   <p:notesSz cx="6858000" cy="9144000"/>
@@ -132,10 +133,6 @@
 </p:presentation>
 </file>
 
-<file path=ppt/revisionInfo.xml><?xml version="1.0" encoding="utf-8"?>
-<p1510:revInfo xmlns:a="http://schemas.openxmlformats.org/drawingml/2006/main" xmlns:r="http://schemas.openxmlformats.org/officeDocument/2006/relationships" xmlns:p1510="http://schemas.microsoft.com/office/powerpoint/2015/10/main"/>
-</file>
-
 <file path=ppt/slideLayouts/slideLayout1.xml><?xml version="1.0" encoding="utf-8"?>
 <p:sldLayout xmlns:a="http://schemas.openxmlformats.org/drawingml/2006/main" xmlns:r="http://schemas.openxmlformats.org/officeDocument/2006/relationships" xmlns:p="http://schemas.openxmlformats.org/presentationml/2006/main" type="title" preserve="1">
   <p:cSld name="Diapositive de titre">
@@ -317,7 +314,7 @@
           <a:p>
             <a:fld id="{AA309A6D-C09C-4548-B29A-6CF363A7E532}" type="datetimeFigureOut">
               <a:rPr lang="fr-FR" smtClean="0"/>
-              <a:t>27/06/2017</a:t>
+              <a:t>17/04/2023</a:t>
             </a:fld>
             <a:endParaRPr lang="fr-BE"/>
           </a:p>
@@ -482,7 +479,7 @@
           <a:p>
             <a:fld id="{AA309A6D-C09C-4548-B29A-6CF363A7E532}" type="datetimeFigureOut">
               <a:rPr lang="fr-FR" smtClean="0"/>
-              <a:t>27/06/2017</a:t>
+              <a:t>17/04/2023</a:t>
             </a:fld>
             <a:endParaRPr lang="fr-BE"/>
           </a:p>
@@ -657,7 +654,7 @@
           <a:p>
             <a:fld id="{AA309A6D-C09C-4548-B29A-6CF363A7E532}" type="datetimeFigureOut">
               <a:rPr lang="fr-FR" smtClean="0"/>
-              <a:t>27/06/2017</a:t>
+              <a:t>17/04/2023</a:t>
             </a:fld>
             <a:endParaRPr lang="fr-BE"/>
           </a:p>
@@ -822,7 +819,7 @@
           <a:p>
             <a:fld id="{AA309A6D-C09C-4548-B29A-6CF363A7E532}" type="datetimeFigureOut">
               <a:rPr lang="fr-FR" smtClean="0"/>
-              <a:t>27/06/2017</a:t>
+              <a:t>17/04/2023</a:t>
             </a:fld>
             <a:endParaRPr lang="fr-BE"/>
           </a:p>
@@ -1063,7 +1060,7 @@
           <a:p>
             <a:fld id="{AA309A6D-C09C-4548-B29A-6CF363A7E532}" type="datetimeFigureOut">
               <a:rPr lang="fr-FR" smtClean="0"/>
-              <a:t>27/06/2017</a:t>
+              <a:t>17/04/2023</a:t>
             </a:fld>
             <a:endParaRPr lang="fr-BE"/>
           </a:p>
@@ -1346,7 +1343,7 @@
           <a:p>
             <a:fld id="{AA309A6D-C09C-4548-B29A-6CF363A7E532}" type="datetimeFigureOut">
               <a:rPr lang="fr-FR" smtClean="0"/>
-              <a:t>27/06/2017</a:t>
+              <a:t>17/04/2023</a:t>
             </a:fld>
             <a:endParaRPr lang="fr-BE"/>
           </a:p>
@@ -1763,7 +1760,7 @@
           <a:p>
             <a:fld id="{AA309A6D-C09C-4548-B29A-6CF363A7E532}" type="datetimeFigureOut">
               <a:rPr lang="fr-FR" smtClean="0"/>
-              <a:t>27/06/2017</a:t>
+              <a:t>17/04/2023</a:t>
             </a:fld>
             <a:endParaRPr lang="fr-BE"/>
           </a:p>
@@ -1876,7 +1873,7 @@
           <a:p>
             <a:fld id="{AA309A6D-C09C-4548-B29A-6CF363A7E532}" type="datetimeFigureOut">
               <a:rPr lang="fr-FR" smtClean="0"/>
-              <a:t>27/06/2017</a:t>
+              <a:t>17/04/2023</a:t>
             </a:fld>
             <a:endParaRPr lang="fr-BE"/>
           </a:p>
@@ -1966,7 +1963,7 @@
           <a:p>
             <a:fld id="{AA309A6D-C09C-4548-B29A-6CF363A7E532}" type="datetimeFigureOut">
               <a:rPr lang="fr-FR" smtClean="0"/>
-              <a:t>27/06/2017</a:t>
+              <a:t>17/04/2023</a:t>
             </a:fld>
             <a:endParaRPr lang="fr-BE"/>
           </a:p>
@@ -2238,7 +2235,7 @@
           <a:p>
             <a:fld id="{AA309A6D-C09C-4548-B29A-6CF363A7E532}" type="datetimeFigureOut">
               <a:rPr lang="fr-FR" smtClean="0"/>
-              <a:t>27/06/2017</a:t>
+              <a:t>17/04/2023</a:t>
             </a:fld>
             <a:endParaRPr lang="fr-BE"/>
           </a:p>
@@ -2486,7 +2483,7 @@
           <a:p>
             <a:fld id="{AA309A6D-C09C-4548-B29A-6CF363A7E532}" type="datetimeFigureOut">
               <a:rPr lang="fr-FR" smtClean="0"/>
-              <a:t>27/06/2017</a:t>
+              <a:t>17/04/2023</a:t>
             </a:fld>
             <a:endParaRPr lang="fr-BE"/>
           </a:p>
@@ -2694,7 +2691,7 @@
           <a:p>
             <a:fld id="{AA309A6D-C09C-4548-B29A-6CF363A7E532}" type="datetimeFigureOut">
               <a:rPr lang="fr-FR" smtClean="0"/>
-              <a:t>27/06/2017</a:t>
+              <a:t>17/04/2023</a:t>
             </a:fld>
             <a:endParaRPr lang="fr-BE"/>
           </a:p>
@@ -3700,6 +3697,211 @@
           <a:chExt cx="0" cy="0"/>
         </a:xfrm>
       </p:grpSpPr>
+      <p:pic>
+        <p:nvPicPr>
+          <p:cNvPr id="4" name="Image 3">
+            <a:extLst>
+              <a:ext uri="{FF2B5EF4-FFF2-40B4-BE49-F238E27FC236}">
+                <a16:creationId xmlns:a16="http://schemas.microsoft.com/office/drawing/2014/main" id="{78DAFEE1-FBCA-FA97-A114-CC7FBC98E211}"/>
+              </a:ext>
+            </a:extLst>
+          </p:cNvPr>
+          <p:cNvPicPr>
+            <a:picLocks noChangeAspect="1"/>
+          </p:cNvPicPr>
+          <p:nvPr/>
+        </p:nvPicPr>
+        <p:blipFill rotWithShape="1">
+          <a:blip r:embed="rId2">
+            <a:extLst>
+              <a:ext uri="{28A0092B-C50C-407E-A947-70E740481C1C}">
+                <a14:useLocalDpi xmlns:a14="http://schemas.microsoft.com/office/drawing/2010/main" val="0"/>
+              </a:ext>
+            </a:extLst>
+          </a:blip>
+          <a:srcRect r="66951" b="48718"/>
+          <a:stretch/>
+        </p:blipFill>
+        <p:spPr>
+          <a:xfrm>
+            <a:off x="197416" y="1088701"/>
+            <a:ext cx="1638280" cy="1394035"/>
+          </a:xfrm>
+          <a:prstGeom prst="rect">
+            <a:avLst/>
+          </a:prstGeom>
+        </p:spPr>
+      </p:pic>
+      <p:pic>
+        <p:nvPicPr>
+          <p:cNvPr id="5" name="Image 4">
+            <a:extLst>
+              <a:ext uri="{FF2B5EF4-FFF2-40B4-BE49-F238E27FC236}">
+                <a16:creationId xmlns:a16="http://schemas.microsoft.com/office/drawing/2014/main" id="{94F8CDA3-2A99-4F40-3548-65743E08109E}"/>
+              </a:ext>
+            </a:extLst>
+          </p:cNvPr>
+          <p:cNvPicPr>
+            <a:picLocks noChangeAspect="1"/>
+          </p:cNvPicPr>
+          <p:nvPr/>
+        </p:nvPicPr>
+        <p:blipFill rotWithShape="1">
+          <a:blip r:embed="rId2">
+            <a:extLst>
+              <a:ext uri="{28A0092B-C50C-407E-A947-70E740481C1C}">
+                <a14:useLocalDpi xmlns:a14="http://schemas.microsoft.com/office/drawing/2010/main" val="0"/>
+              </a:ext>
+            </a:extLst>
+          </a:blip>
+          <a:srcRect l="43579" r="23372" b="48718"/>
+          <a:stretch/>
+        </p:blipFill>
+        <p:spPr>
+          <a:xfrm>
+            <a:off x="1835696" y="1088701"/>
+            <a:ext cx="1638280" cy="1394035"/>
+          </a:xfrm>
+          <a:prstGeom prst="rect">
+            <a:avLst/>
+          </a:prstGeom>
+        </p:spPr>
+      </p:pic>
+      <p:pic>
+        <p:nvPicPr>
+          <p:cNvPr id="6" name="Image 5">
+            <a:extLst>
+              <a:ext uri="{FF2B5EF4-FFF2-40B4-BE49-F238E27FC236}">
+                <a16:creationId xmlns:a16="http://schemas.microsoft.com/office/drawing/2014/main" id="{8B94BFF5-AB12-8882-42DD-E892C964DB75}"/>
+              </a:ext>
+            </a:extLst>
+          </p:cNvPr>
+          <p:cNvPicPr>
+            <a:picLocks noChangeAspect="1"/>
+          </p:cNvPicPr>
+          <p:nvPr/>
+        </p:nvPicPr>
+        <p:blipFill rotWithShape="1">
+          <a:blip r:embed="rId3">
+            <a:extLst>
+              <a:ext uri="{28A0092B-C50C-407E-A947-70E740481C1C}">
+                <a14:useLocalDpi xmlns:a14="http://schemas.microsoft.com/office/drawing/2010/main" val="0"/>
+              </a:ext>
+            </a:extLst>
+          </a:blip>
+          <a:srcRect l="82800" b="48718"/>
+          <a:stretch/>
+        </p:blipFill>
+        <p:spPr>
+          <a:xfrm>
+            <a:off x="3462708" y="1088701"/>
+            <a:ext cx="852628" cy="1394035"/>
+          </a:xfrm>
+          <a:prstGeom prst="rect">
+            <a:avLst/>
+          </a:prstGeom>
+        </p:spPr>
+      </p:pic>
+      <p:pic>
+        <p:nvPicPr>
+          <p:cNvPr id="7" name="Image 6">
+            <a:extLst>
+              <a:ext uri="{FF2B5EF4-FFF2-40B4-BE49-F238E27FC236}">
+                <a16:creationId xmlns:a16="http://schemas.microsoft.com/office/drawing/2014/main" id="{51DAEFCE-D51F-1549-C0D7-579CC515EA1B}"/>
+              </a:ext>
+            </a:extLst>
+          </p:cNvPr>
+          <p:cNvPicPr>
+            <a:picLocks noChangeAspect="1"/>
+          </p:cNvPicPr>
+          <p:nvPr/>
+        </p:nvPicPr>
+        <p:blipFill rotWithShape="1">
+          <a:blip r:embed="rId2">
+            <a:extLst>
+              <a:ext uri="{28A0092B-C50C-407E-A947-70E740481C1C}">
+                <a14:useLocalDpi xmlns:a14="http://schemas.microsoft.com/office/drawing/2010/main" val="0"/>
+              </a:ext>
+            </a:extLst>
+          </a:blip>
+          <a:srcRect t="55801" r="50434"/>
+          <a:stretch/>
+        </p:blipFill>
+        <p:spPr>
+          <a:xfrm>
+            <a:off x="4307304" y="1088701"/>
+            <a:ext cx="2850728" cy="1394035"/>
+          </a:xfrm>
+          <a:prstGeom prst="rect">
+            <a:avLst/>
+          </a:prstGeom>
+        </p:spPr>
+      </p:pic>
+      <p:pic>
+        <p:nvPicPr>
+          <p:cNvPr id="3" name="Image 2">
+            <a:extLst>
+              <a:ext uri="{FF2B5EF4-FFF2-40B4-BE49-F238E27FC236}">
+                <a16:creationId xmlns:a16="http://schemas.microsoft.com/office/drawing/2014/main" id="{7447B8F5-5A97-9462-2C12-D9AE00335CA6}"/>
+              </a:ext>
+            </a:extLst>
+          </p:cNvPr>
+          <p:cNvPicPr>
+            <a:picLocks noChangeAspect="1"/>
+          </p:cNvPicPr>
+          <p:nvPr/>
+        </p:nvPicPr>
+        <p:blipFill rotWithShape="1">
+          <a:blip r:embed="rId2">
+            <a:extLst>
+              <a:ext uri="{28A0092B-C50C-407E-A947-70E740481C1C}">
+                <a14:useLocalDpi xmlns:a14="http://schemas.microsoft.com/office/drawing/2010/main" val="0"/>
+              </a:ext>
+            </a:extLst>
+          </a:blip>
+          <a:srcRect l="50964" t="55801"/>
+          <a:stretch/>
+        </p:blipFill>
+        <p:spPr>
+          <a:xfrm>
+            <a:off x="7149048" y="1088701"/>
+            <a:ext cx="2820306" cy="1394035"/>
+          </a:xfrm>
+          <a:prstGeom prst="rect">
+            <a:avLst/>
+          </a:prstGeom>
+        </p:spPr>
+      </p:pic>
+    </p:spTree>
+    <p:extLst>
+      <p:ext uri="{BB962C8B-B14F-4D97-AF65-F5344CB8AC3E}">
+        <p14:creationId xmlns:p14="http://schemas.microsoft.com/office/powerpoint/2010/main" val="963655669"/>
+      </p:ext>
+    </p:extLst>
+  </p:cSld>
+  <p:clrMapOvr>
+    <a:masterClrMapping/>
+  </p:clrMapOvr>
+</p:sld>
+</file>
+
+<file path=ppt/slides/slide11.xml><?xml version="1.0" encoding="utf-8"?>
+<p:sld xmlns:a="http://schemas.openxmlformats.org/drawingml/2006/main" xmlns:r="http://schemas.openxmlformats.org/officeDocument/2006/relationships" xmlns:p="http://schemas.openxmlformats.org/presentationml/2006/main">
+  <p:cSld>
+    <p:spTree>
+      <p:nvGrpSpPr>
+        <p:cNvPr id="1" name=""/>
+        <p:cNvGrpSpPr/>
+        <p:nvPr/>
+      </p:nvGrpSpPr>
+      <p:grpSpPr>
+        <a:xfrm>
+          <a:off x="0" y="0"/>
+          <a:ext cx="0" cy="0"/>
+          <a:chOff x="0" y="0"/>
+          <a:chExt cx="0" cy="0"/>
+        </a:xfrm>
+      </p:grpSpPr>
     </p:spTree>
     <p:extLst>
       <p:ext uri="{BB962C8B-B14F-4D97-AF65-F5344CB8AC3E}">
@@ -7227,10 +7429,329 @@
           <a:chExt cx="0" cy="0"/>
         </a:xfrm>
       </p:grpSpPr>
+      <p:pic>
+        <p:nvPicPr>
+          <p:cNvPr id="3" name="Image 2"/>
+          <p:cNvPicPr>
+            <a:picLocks noChangeAspect="1"/>
+          </p:cNvPicPr>
+          <p:nvPr/>
+        </p:nvPicPr>
+        <p:blipFill>
+          <a:blip r:embed="rId2" cstate="print">
+            <a:extLst>
+              <a:ext uri="{28A0092B-C50C-407E-A947-70E740481C1C}">
+                <a14:useLocalDpi xmlns:a14="http://schemas.microsoft.com/office/drawing/2010/main" val="0"/>
+              </a:ext>
+            </a:extLst>
+          </a:blip>
+          <a:stretch>
+            <a:fillRect/>
+          </a:stretch>
+        </p:blipFill>
+        <p:spPr>
+          <a:xfrm>
+            <a:off x="4320000" y="1107249"/>
+            <a:ext cx="4320000" cy="2105727"/>
+          </a:xfrm>
+          <a:prstGeom prst="rect">
+            <a:avLst/>
+          </a:prstGeom>
+        </p:spPr>
+      </p:pic>
+      <p:pic>
+        <p:nvPicPr>
+          <p:cNvPr id="5" name="Image 4"/>
+          <p:cNvPicPr>
+            <a:picLocks noChangeAspect="1"/>
+          </p:cNvPicPr>
+          <p:nvPr/>
+        </p:nvPicPr>
+        <p:blipFill>
+          <a:blip r:embed="rId3" cstate="print">
+            <a:extLst>
+              <a:ext uri="{28A0092B-C50C-407E-A947-70E740481C1C}">
+                <a14:useLocalDpi xmlns:a14="http://schemas.microsoft.com/office/drawing/2010/main" val="0"/>
+              </a:ext>
+            </a:extLst>
+          </a:blip>
+          <a:stretch>
+            <a:fillRect/>
+          </a:stretch>
+        </p:blipFill>
+        <p:spPr>
+          <a:xfrm>
+            <a:off x="4320000" y="3429000"/>
+            <a:ext cx="4320000" cy="2105727"/>
+          </a:xfrm>
+          <a:prstGeom prst="rect">
+            <a:avLst/>
+          </a:prstGeom>
+        </p:spPr>
+      </p:pic>
+      <p:cxnSp>
+        <p:nvCxnSpPr>
+          <p:cNvPr id="7" name="Connecteur droit 6"/>
+          <p:cNvCxnSpPr>
+            <a:cxnSpLocks/>
+          </p:cNvCxnSpPr>
+          <p:nvPr/>
+        </p:nvCxnSpPr>
+        <p:spPr>
+          <a:xfrm>
+            <a:off x="5652120" y="4005064"/>
+            <a:ext cx="0" cy="216024"/>
+          </a:xfrm>
+          <a:prstGeom prst="line">
+            <a:avLst/>
+          </a:prstGeom>
+          <a:ln>
+            <a:solidFill>
+              <a:srgbClr val="7030A0"/>
+            </a:solidFill>
+          </a:ln>
+        </p:spPr>
+        <p:style>
+          <a:lnRef idx="1">
+            <a:schemeClr val="accent1"/>
+          </a:lnRef>
+          <a:fillRef idx="0">
+            <a:schemeClr val="accent1"/>
+          </a:fillRef>
+          <a:effectRef idx="0">
+            <a:schemeClr val="accent1"/>
+          </a:effectRef>
+          <a:fontRef idx="minor">
+            <a:schemeClr val="tx1"/>
+          </a:fontRef>
+        </p:style>
+      </p:cxnSp>
+      <p:cxnSp>
+        <p:nvCxnSpPr>
+          <p:cNvPr id="8" name="Connecteur droit 7"/>
+          <p:cNvCxnSpPr>
+            <a:cxnSpLocks/>
+          </p:cNvCxnSpPr>
+          <p:nvPr/>
+        </p:nvCxnSpPr>
+        <p:spPr>
+          <a:xfrm>
+            <a:off x="6876256" y="4005064"/>
+            <a:ext cx="0" cy="792088"/>
+          </a:xfrm>
+          <a:prstGeom prst="line">
+            <a:avLst/>
+          </a:prstGeom>
+          <a:ln>
+            <a:solidFill>
+              <a:srgbClr val="7030A0"/>
+            </a:solidFill>
+          </a:ln>
+        </p:spPr>
+        <p:style>
+          <a:lnRef idx="1">
+            <a:schemeClr val="accent1"/>
+          </a:lnRef>
+          <a:fillRef idx="0">
+            <a:schemeClr val="accent1"/>
+          </a:fillRef>
+          <a:effectRef idx="0">
+            <a:schemeClr val="accent1"/>
+          </a:effectRef>
+          <a:fontRef idx="minor">
+            <a:schemeClr val="tx1"/>
+          </a:fontRef>
+        </p:style>
+      </p:cxnSp>
+      <p:cxnSp>
+        <p:nvCxnSpPr>
+          <p:cNvPr id="9" name="Connecteur droit 8"/>
+          <p:cNvCxnSpPr>
+            <a:cxnSpLocks/>
+          </p:cNvCxnSpPr>
+          <p:nvPr/>
+        </p:nvCxnSpPr>
+        <p:spPr>
+          <a:xfrm>
+            <a:off x="4644008" y="4149080"/>
+            <a:ext cx="0" cy="504056"/>
+          </a:xfrm>
+          <a:prstGeom prst="line">
+            <a:avLst/>
+          </a:prstGeom>
+          <a:ln>
+            <a:solidFill>
+              <a:srgbClr val="7030A0"/>
+            </a:solidFill>
+            <a:headEnd type="stealth" w="sm" len="med"/>
+            <a:tailEnd type="stealth" w="sm" len="med"/>
+          </a:ln>
+        </p:spPr>
+        <p:style>
+          <a:lnRef idx="1">
+            <a:schemeClr val="accent1"/>
+          </a:lnRef>
+          <a:fillRef idx="0">
+            <a:schemeClr val="accent1"/>
+          </a:fillRef>
+          <a:effectRef idx="0">
+            <a:schemeClr val="accent1"/>
+          </a:effectRef>
+          <a:fontRef idx="minor">
+            <a:schemeClr val="tx1"/>
+          </a:fontRef>
+        </p:style>
+      </p:cxnSp>
+      <p:cxnSp>
+        <p:nvCxnSpPr>
+          <p:cNvPr id="13" name="Connecteur droit 12"/>
+          <p:cNvCxnSpPr>
+            <a:cxnSpLocks/>
+          </p:cNvCxnSpPr>
+          <p:nvPr/>
+        </p:nvCxnSpPr>
+        <p:spPr>
+          <a:xfrm flipH="1">
+            <a:off x="4427985" y="4149080"/>
+            <a:ext cx="1224135" cy="0"/>
+          </a:xfrm>
+          <a:prstGeom prst="line">
+            <a:avLst/>
+          </a:prstGeom>
+          <a:ln>
+            <a:solidFill>
+              <a:srgbClr val="7030A0"/>
+            </a:solidFill>
+          </a:ln>
+        </p:spPr>
+        <p:style>
+          <a:lnRef idx="1">
+            <a:schemeClr val="accent1"/>
+          </a:lnRef>
+          <a:fillRef idx="0">
+            <a:schemeClr val="accent1"/>
+          </a:fillRef>
+          <a:effectRef idx="0">
+            <a:schemeClr val="accent1"/>
+          </a:effectRef>
+          <a:fontRef idx="minor">
+            <a:schemeClr val="tx1"/>
+          </a:fontRef>
+        </p:style>
+      </p:cxnSp>
+      <p:cxnSp>
+        <p:nvCxnSpPr>
+          <p:cNvPr id="16" name="Connecteur droit 15"/>
+          <p:cNvCxnSpPr>
+            <a:cxnSpLocks/>
+          </p:cNvCxnSpPr>
+          <p:nvPr/>
+        </p:nvCxnSpPr>
+        <p:spPr>
+          <a:xfrm flipH="1">
+            <a:off x="4427985" y="4653136"/>
+            <a:ext cx="2448271" cy="0"/>
+          </a:xfrm>
+          <a:prstGeom prst="line">
+            <a:avLst/>
+          </a:prstGeom>
+          <a:ln>
+            <a:solidFill>
+              <a:srgbClr val="7030A0"/>
+            </a:solidFill>
+          </a:ln>
+        </p:spPr>
+        <p:style>
+          <a:lnRef idx="1">
+            <a:schemeClr val="accent1"/>
+          </a:lnRef>
+          <a:fillRef idx="0">
+            <a:schemeClr val="accent1"/>
+          </a:fillRef>
+          <a:effectRef idx="0">
+            <a:schemeClr val="accent1"/>
+          </a:effectRef>
+          <a:fontRef idx="minor">
+            <a:schemeClr val="tx1"/>
+          </a:fontRef>
+        </p:style>
+      </p:cxnSp>
+      <p:cxnSp>
+        <p:nvCxnSpPr>
+          <p:cNvPr id="21" name="Connecteur droit 20"/>
+          <p:cNvCxnSpPr>
+            <a:cxnSpLocks/>
+          </p:cNvCxnSpPr>
+          <p:nvPr/>
+        </p:nvCxnSpPr>
+        <p:spPr>
+          <a:xfrm>
+            <a:off x="5652120" y="4068489"/>
+            <a:ext cx="1224136" cy="0"/>
+          </a:xfrm>
+          <a:prstGeom prst="line">
+            <a:avLst/>
+          </a:prstGeom>
+          <a:ln>
+            <a:solidFill>
+              <a:srgbClr val="7030A0"/>
+            </a:solidFill>
+            <a:headEnd type="stealth" w="sm" len="med"/>
+            <a:tailEnd type="stealth" w="sm" len="med"/>
+          </a:ln>
+        </p:spPr>
+        <p:style>
+          <a:lnRef idx="1">
+            <a:schemeClr val="accent1"/>
+          </a:lnRef>
+          <a:fillRef idx="0">
+            <a:schemeClr val="accent1"/>
+          </a:fillRef>
+          <a:effectRef idx="0">
+            <a:schemeClr val="accent1"/>
+          </a:effectRef>
+          <a:fontRef idx="minor">
+            <a:schemeClr val="tx1"/>
+          </a:fontRef>
+        </p:style>
+      </p:cxnSp>
+      <p:sp>
+        <p:nvSpPr>
+          <p:cNvPr id="24" name="ZoneTexte 23"/>
+          <p:cNvSpPr txBox="1"/>
+          <p:nvPr/>
+        </p:nvSpPr>
+        <p:spPr>
+          <a:xfrm>
+            <a:off x="4512755" y="4683169"/>
+            <a:ext cx="2196244" cy="276999"/>
+          </a:xfrm>
+          <a:prstGeom prst="rect">
+            <a:avLst/>
+          </a:prstGeom>
+          <a:noFill/>
+        </p:spPr>
+        <p:txBody>
+          <a:bodyPr wrap="square" rtlCol="0">
+            <a:spAutoFit/>
+          </a:bodyPr>
+          <a:lstStyle/>
+          <a:p>
+            <a:r>
+              <a:rPr lang="fr-FR" sz="1200" b="1" dirty="0">
+                <a:solidFill>
+                  <a:srgbClr val="FF0000"/>
+                </a:solidFill>
+              </a:rPr>
+              <a:t>Linéarisation entre -35° et -60°.</a:t>
+            </a:r>
+          </a:p>
+        </p:txBody>
+      </p:sp>
     </p:spTree>
     <p:extLst>
       <p:ext uri="{BB962C8B-B14F-4D97-AF65-F5344CB8AC3E}">
-        <p14:creationId xmlns:p14="http://schemas.microsoft.com/office/powerpoint/2010/main" val="963655669"/>
+        <p14:creationId xmlns:p14="http://schemas.microsoft.com/office/powerpoint/2010/main" val="2738968558"/>
       </p:ext>
     </p:extLst>
   </p:cSld>
